--- a/presentation/intro to android.pptx
+++ b/presentation/intro to android.pptx
@@ -111,6 +111,11 @@
       </a:defRPr>
     </a:lvl9pPr>
   </p:defaultTextStyle>
+  <p:extLst>
+    <p:ext uri="{EFAFB233-063F-42B5-8137-9DF3F51BA10A}">
+      <p15:sldGuideLst xmlns:p15="http://schemas.microsoft.com/office/powerpoint/2012/main"/>
+    </p:ext>
+  </p:extLst>
 </p:presentation>
 </file>
 
@@ -836,7 +841,7 @@
           <a:p>
             <a:fld id="{6602C0D2-A336-4E06-9C92-574E03A26D94}" type="datetimeFigureOut">
               <a:rPr lang="en-US" smtClean="0"/>
-              <a:t>10/19/2017</a:t>
+              <a:t>10/20/2017</a:t>
             </a:fld>
             <a:endParaRPr lang="en-US"/>
           </a:p>
@@ -1087,7 +1092,7 @@
           <a:p>
             <a:fld id="{6602C0D2-A336-4E06-9C92-574E03A26D94}" type="datetimeFigureOut">
               <a:rPr lang="en-US" smtClean="0"/>
-              <a:t>10/19/2017</a:t>
+              <a:t>10/20/2017</a:t>
             </a:fld>
             <a:endParaRPr lang="en-US"/>
           </a:p>
@@ -1401,7 +1406,7 @@
           <a:p>
             <a:fld id="{6602C0D2-A336-4E06-9C92-574E03A26D94}" type="datetimeFigureOut">
               <a:rPr lang="en-US" smtClean="0"/>
-              <a:t>10/19/2017</a:t>
+              <a:t>10/20/2017</a:t>
             </a:fld>
             <a:endParaRPr lang="en-US"/>
           </a:p>
@@ -1742,7 +1747,7 @@
           <a:p>
             <a:fld id="{6602C0D2-A336-4E06-9C92-574E03A26D94}" type="datetimeFigureOut">
               <a:rPr lang="en-US" smtClean="0"/>
-              <a:t>10/19/2017</a:t>
+              <a:t>10/20/2017</a:t>
             </a:fld>
             <a:endParaRPr lang="en-US"/>
           </a:p>
@@ -2056,7 +2061,7 @@
           <a:p>
             <a:fld id="{6602C0D2-A336-4E06-9C92-574E03A26D94}" type="datetimeFigureOut">
               <a:rPr lang="en-US" smtClean="0"/>
-              <a:t>10/19/2017</a:t>
+              <a:t>10/20/2017</a:t>
             </a:fld>
             <a:endParaRPr lang="en-US"/>
           </a:p>
@@ -2449,7 +2454,7 @@
           <a:p>
             <a:fld id="{6602C0D2-A336-4E06-9C92-574E03A26D94}" type="datetimeFigureOut">
               <a:rPr lang="en-US" smtClean="0"/>
-              <a:t>10/19/2017</a:t>
+              <a:t>10/20/2017</a:t>
             </a:fld>
             <a:endParaRPr lang="en-US"/>
           </a:p>
@@ -2619,7 +2624,7 @@
           <a:p>
             <a:fld id="{6602C0D2-A336-4E06-9C92-574E03A26D94}" type="datetimeFigureOut">
               <a:rPr lang="en-US" smtClean="0"/>
-              <a:t>10/19/2017</a:t>
+              <a:t>10/20/2017</a:t>
             </a:fld>
             <a:endParaRPr lang="en-US"/>
           </a:p>
@@ -2799,7 +2804,7 @@
           <a:p>
             <a:fld id="{6602C0D2-A336-4E06-9C92-574E03A26D94}" type="datetimeFigureOut">
               <a:rPr lang="en-US" smtClean="0"/>
-              <a:t>10/19/2017</a:t>
+              <a:t>10/20/2017</a:t>
             </a:fld>
             <a:endParaRPr lang="en-US"/>
           </a:p>
@@ -2975,7 +2980,7 @@
           <a:p>
             <a:fld id="{6602C0D2-A336-4E06-9C92-574E03A26D94}" type="datetimeFigureOut">
               <a:rPr lang="en-US" smtClean="0"/>
-              <a:t>10/19/2017</a:t>
+              <a:t>10/20/2017</a:t>
             </a:fld>
             <a:endParaRPr lang="en-US"/>
           </a:p>
@@ -3222,7 +3227,7 @@
           <a:p>
             <a:fld id="{6602C0D2-A336-4E06-9C92-574E03A26D94}" type="datetimeFigureOut">
               <a:rPr lang="en-US" smtClean="0"/>
-              <a:t>10/19/2017</a:t>
+              <a:t>10/20/2017</a:t>
             </a:fld>
             <a:endParaRPr lang="en-US"/>
           </a:p>
@@ -3454,7 +3459,7 @@
           <a:p>
             <a:fld id="{6602C0D2-A336-4E06-9C92-574E03A26D94}" type="datetimeFigureOut">
               <a:rPr lang="en-US" smtClean="0"/>
-              <a:t>10/19/2017</a:t>
+              <a:t>10/20/2017</a:t>
             </a:fld>
             <a:endParaRPr lang="en-US"/>
           </a:p>
@@ -3828,7 +3833,7 @@
           <a:p>
             <a:fld id="{6602C0D2-A336-4E06-9C92-574E03A26D94}" type="datetimeFigureOut">
               <a:rPr lang="en-US" smtClean="0"/>
-              <a:t>10/19/2017</a:t>
+              <a:t>10/20/2017</a:t>
             </a:fld>
             <a:endParaRPr lang="en-US"/>
           </a:p>
@@ -3951,7 +3956,7 @@
           <a:p>
             <a:fld id="{6602C0D2-A336-4E06-9C92-574E03A26D94}" type="datetimeFigureOut">
               <a:rPr lang="en-US" smtClean="0"/>
-              <a:t>10/19/2017</a:t>
+              <a:t>10/20/2017</a:t>
             </a:fld>
             <a:endParaRPr lang="en-US"/>
           </a:p>
@@ -4046,7 +4051,7 @@
           <a:p>
             <a:fld id="{6602C0D2-A336-4E06-9C92-574E03A26D94}" type="datetimeFigureOut">
               <a:rPr lang="en-US" smtClean="0"/>
-              <a:t>10/19/2017</a:t>
+              <a:t>10/20/2017</a:t>
             </a:fld>
             <a:endParaRPr lang="en-US"/>
           </a:p>
@@ -4301,7 +4306,7 @@
           <a:p>
             <a:fld id="{6602C0D2-A336-4E06-9C92-574E03A26D94}" type="datetimeFigureOut">
               <a:rPr lang="en-US" smtClean="0"/>
-              <a:t>10/19/2017</a:t>
+              <a:t>10/20/2017</a:t>
             </a:fld>
             <a:endParaRPr lang="en-US"/>
           </a:p>
@@ -4564,7 +4569,7 @@
           <a:p>
             <a:fld id="{6602C0D2-A336-4E06-9C92-574E03A26D94}" type="datetimeFigureOut">
               <a:rPr lang="en-US" smtClean="0"/>
-              <a:t>10/19/2017</a:t>
+              <a:t>10/20/2017</a:t>
             </a:fld>
             <a:endParaRPr lang="en-US"/>
           </a:p>
@@ -5307,7 +5312,7 @@
           <a:p>
             <a:fld id="{6602C0D2-A336-4E06-9C92-574E03A26D94}" type="datetimeFigureOut">
               <a:rPr lang="en-US" smtClean="0"/>
-              <a:t>10/19/2017</a:t>
+              <a:t>10/20/2017</a:t>
             </a:fld>
             <a:endParaRPr lang="en-US"/>
           </a:p>
@@ -6033,11 +6038,7 @@
           <a:p>
             <a:r>
               <a:rPr lang="en-US" dirty="0" smtClean="0"/>
-              <a:t>OS = Android (</a:t>
-            </a:r>
-            <a:r>
-              <a:rPr lang="en-US" dirty="0" smtClean="0"/>
-              <a:t>based on Linux Kernel)</a:t>
+              <a:t>OS = Android (based on Linux Kernel)</a:t>
             </a:r>
           </a:p>
           <a:p>
@@ -6086,7 +6087,6 @@
               <a:rPr lang="en-US" dirty="0" smtClean="0"/>
               <a:t>GPS</a:t>
             </a:r>
-            <a:endParaRPr lang="en-US" dirty="0" smtClean="0"/>
           </a:p>
           <a:p>
             <a:r>
@@ -6485,13 +6485,15 @@
               <a:rPr lang="en-US" dirty="0" smtClean="0"/>
               <a:t>Resources</a:t>
             </a:r>
+            <a:endParaRPr lang="en-US" dirty="0" smtClean="0"/>
           </a:p>
           <a:p>
             <a:pPr lvl="1"/>
             <a:r>
               <a:rPr lang="en-US" dirty="0" smtClean="0"/>
-              <a:t>Layout</a:t>
-            </a:r>
+              <a:t>Layout (front-end)</a:t>
+            </a:r>
+            <a:endParaRPr lang="en-US" dirty="0" smtClean="0"/>
           </a:p>
           <a:p>
             <a:pPr lvl="1"/>
@@ -6502,9 +6504,18 @@
           </a:p>
           <a:p>
             <a:r>
+              <a:rPr lang="en-US"/>
+              <a:t>Components </a:t>
+            </a:r>
+            <a:r>
+              <a:rPr lang="en-US" smtClean="0"/>
+              <a:t>(back-end</a:t>
+            </a:r>
+            <a:r>
               <a:rPr lang="en-US" dirty="0" smtClean="0"/>
-              <a:t>Components</a:t>
-            </a:r>
+              <a:t>)</a:t>
+            </a:r>
+            <a:endParaRPr lang="en-US" dirty="0" smtClean="0"/>
           </a:p>
           <a:p>
             <a:pPr lvl="1"/>

--- a/presentation/intro to android.pptx
+++ b/presentation/intro to android.pptx
@@ -841,7 +841,7 @@
           <a:p>
             <a:fld id="{6602C0D2-A336-4E06-9C92-574E03A26D94}" type="datetimeFigureOut">
               <a:rPr lang="en-US" smtClean="0"/>
-              <a:t>10/20/2017</a:t>
+              <a:t>11/13/2017</a:t>
             </a:fld>
             <a:endParaRPr lang="en-US"/>
           </a:p>
@@ -1092,7 +1092,7 @@
           <a:p>
             <a:fld id="{6602C0D2-A336-4E06-9C92-574E03A26D94}" type="datetimeFigureOut">
               <a:rPr lang="en-US" smtClean="0"/>
-              <a:t>10/20/2017</a:t>
+              <a:t>11/13/2017</a:t>
             </a:fld>
             <a:endParaRPr lang="en-US"/>
           </a:p>
@@ -1406,7 +1406,7 @@
           <a:p>
             <a:fld id="{6602C0D2-A336-4E06-9C92-574E03A26D94}" type="datetimeFigureOut">
               <a:rPr lang="en-US" smtClean="0"/>
-              <a:t>10/20/2017</a:t>
+              <a:t>11/13/2017</a:t>
             </a:fld>
             <a:endParaRPr lang="en-US"/>
           </a:p>
@@ -1747,7 +1747,7 @@
           <a:p>
             <a:fld id="{6602C0D2-A336-4E06-9C92-574E03A26D94}" type="datetimeFigureOut">
               <a:rPr lang="en-US" smtClean="0"/>
-              <a:t>10/20/2017</a:t>
+              <a:t>11/13/2017</a:t>
             </a:fld>
             <a:endParaRPr lang="en-US"/>
           </a:p>
@@ -2061,7 +2061,7 @@
           <a:p>
             <a:fld id="{6602C0D2-A336-4E06-9C92-574E03A26D94}" type="datetimeFigureOut">
               <a:rPr lang="en-US" smtClean="0"/>
-              <a:t>10/20/2017</a:t>
+              <a:t>11/13/2017</a:t>
             </a:fld>
             <a:endParaRPr lang="en-US"/>
           </a:p>
@@ -2454,7 +2454,7 @@
           <a:p>
             <a:fld id="{6602C0D2-A336-4E06-9C92-574E03A26D94}" type="datetimeFigureOut">
               <a:rPr lang="en-US" smtClean="0"/>
-              <a:t>10/20/2017</a:t>
+              <a:t>11/13/2017</a:t>
             </a:fld>
             <a:endParaRPr lang="en-US"/>
           </a:p>
@@ -2624,7 +2624,7 @@
           <a:p>
             <a:fld id="{6602C0D2-A336-4E06-9C92-574E03A26D94}" type="datetimeFigureOut">
               <a:rPr lang="en-US" smtClean="0"/>
-              <a:t>10/20/2017</a:t>
+              <a:t>11/13/2017</a:t>
             </a:fld>
             <a:endParaRPr lang="en-US"/>
           </a:p>
@@ -2804,7 +2804,7 @@
           <a:p>
             <a:fld id="{6602C0D2-A336-4E06-9C92-574E03A26D94}" type="datetimeFigureOut">
               <a:rPr lang="en-US" smtClean="0"/>
-              <a:t>10/20/2017</a:t>
+              <a:t>11/13/2017</a:t>
             </a:fld>
             <a:endParaRPr lang="en-US"/>
           </a:p>
@@ -2980,7 +2980,7 @@
           <a:p>
             <a:fld id="{6602C0D2-A336-4E06-9C92-574E03A26D94}" type="datetimeFigureOut">
               <a:rPr lang="en-US" smtClean="0"/>
-              <a:t>10/20/2017</a:t>
+              <a:t>11/13/2017</a:t>
             </a:fld>
             <a:endParaRPr lang="en-US"/>
           </a:p>
@@ -3227,7 +3227,7 @@
           <a:p>
             <a:fld id="{6602C0D2-A336-4E06-9C92-574E03A26D94}" type="datetimeFigureOut">
               <a:rPr lang="en-US" smtClean="0"/>
-              <a:t>10/20/2017</a:t>
+              <a:t>11/13/2017</a:t>
             </a:fld>
             <a:endParaRPr lang="en-US"/>
           </a:p>
@@ -3459,7 +3459,7 @@
           <a:p>
             <a:fld id="{6602C0D2-A336-4E06-9C92-574E03A26D94}" type="datetimeFigureOut">
               <a:rPr lang="en-US" smtClean="0"/>
-              <a:t>10/20/2017</a:t>
+              <a:t>11/13/2017</a:t>
             </a:fld>
             <a:endParaRPr lang="en-US"/>
           </a:p>
@@ -3833,7 +3833,7 @@
           <a:p>
             <a:fld id="{6602C0D2-A336-4E06-9C92-574E03A26D94}" type="datetimeFigureOut">
               <a:rPr lang="en-US" smtClean="0"/>
-              <a:t>10/20/2017</a:t>
+              <a:t>11/13/2017</a:t>
             </a:fld>
             <a:endParaRPr lang="en-US"/>
           </a:p>
@@ -3956,7 +3956,7 @@
           <a:p>
             <a:fld id="{6602C0D2-A336-4E06-9C92-574E03A26D94}" type="datetimeFigureOut">
               <a:rPr lang="en-US" smtClean="0"/>
-              <a:t>10/20/2017</a:t>
+              <a:t>11/13/2017</a:t>
             </a:fld>
             <a:endParaRPr lang="en-US"/>
           </a:p>
@@ -4051,7 +4051,7 @@
           <a:p>
             <a:fld id="{6602C0D2-A336-4E06-9C92-574E03A26D94}" type="datetimeFigureOut">
               <a:rPr lang="en-US" smtClean="0"/>
-              <a:t>10/20/2017</a:t>
+              <a:t>11/13/2017</a:t>
             </a:fld>
             <a:endParaRPr lang="en-US"/>
           </a:p>
@@ -4306,7 +4306,7 @@
           <a:p>
             <a:fld id="{6602C0D2-A336-4E06-9C92-574E03A26D94}" type="datetimeFigureOut">
               <a:rPr lang="en-US" smtClean="0"/>
-              <a:t>10/20/2017</a:t>
+              <a:t>11/13/2017</a:t>
             </a:fld>
             <a:endParaRPr lang="en-US"/>
           </a:p>
@@ -4569,7 +4569,7 @@
           <a:p>
             <a:fld id="{6602C0D2-A336-4E06-9C92-574E03A26D94}" type="datetimeFigureOut">
               <a:rPr lang="en-US" smtClean="0"/>
-              <a:t>10/20/2017</a:t>
+              <a:t>11/13/2017</a:t>
             </a:fld>
             <a:endParaRPr lang="en-US"/>
           </a:p>
@@ -5312,7 +5312,7 @@
           <a:p>
             <a:fld id="{6602C0D2-A336-4E06-9C92-574E03A26D94}" type="datetimeFigureOut">
               <a:rPr lang="en-US" smtClean="0"/>
-              <a:t>10/20/2017</a:t>
+              <a:t>11/13/2017</a:t>
             </a:fld>
             <a:endParaRPr lang="en-US"/>
           </a:p>
@@ -6485,7 +6485,6 @@
               <a:rPr lang="en-US" dirty="0" smtClean="0"/>
               <a:t>Resources</a:t>
             </a:r>
-            <a:endParaRPr lang="en-US" dirty="0" smtClean="0"/>
           </a:p>
           <a:p>
             <a:pPr lvl="1"/>
@@ -6493,7 +6492,6 @@
               <a:rPr lang="en-US" dirty="0" smtClean="0"/>
               <a:t>Layout (front-end)</a:t>
             </a:r>
-            <a:endParaRPr lang="en-US" dirty="0" smtClean="0"/>
           </a:p>
           <a:p>
             <a:pPr lvl="1"/>
@@ -6515,7 +6513,6 @@
               <a:rPr lang="en-US" dirty="0" smtClean="0"/>
               <a:t>)</a:t>
             </a:r>
-            <a:endParaRPr lang="en-US" dirty="0" smtClean="0"/>
           </a:p>
           <a:p>
             <a:pPr lvl="1"/>
@@ -6788,8 +6785,17 @@
             </a:pPr>
             <a:r>
               <a:rPr lang="en-US" dirty="0" smtClean="0"/>
-              <a:t>Exchange data between activities</a:t>
-            </a:r>
+              <a:t>Exchange data </a:t>
+            </a:r>
+            <a:r>
+              <a:rPr lang="en-US" dirty="0" smtClean="0"/>
+              <a:t>with </a:t>
+            </a:r>
+            <a:r>
+              <a:rPr lang="en-US" dirty="0" err="1" smtClean="0"/>
+              <a:t>asynctask</a:t>
+            </a:r>
+            <a:endParaRPr lang="en-US" dirty="0" smtClean="0"/>
           </a:p>
           <a:p>
             <a:pPr>

--- a/presentation/intro to android.pptx
+++ b/presentation/intro to android.pptx
@@ -6,13 +6,12 @@
   </p:sldMasterIdLst>
   <p:sldIdLst>
     <p:sldId id="256" r:id="rId2"/>
-    <p:sldId id="257" r:id="rId3"/>
-    <p:sldId id="258" r:id="rId4"/>
-    <p:sldId id="261" r:id="rId5"/>
-    <p:sldId id="260" r:id="rId6"/>
-    <p:sldId id="259" r:id="rId7"/>
-    <p:sldId id="262" r:id="rId8"/>
-    <p:sldId id="263" r:id="rId9"/>
+    <p:sldId id="258" r:id="rId3"/>
+    <p:sldId id="261" r:id="rId4"/>
+    <p:sldId id="260" r:id="rId5"/>
+    <p:sldId id="259" r:id="rId6"/>
+    <p:sldId id="262" r:id="rId7"/>
+    <p:sldId id="263" r:id="rId8"/>
   </p:sldIdLst>
   <p:sldSz cx="12192000" cy="6858000"/>
   <p:notesSz cx="6858000" cy="9144000"/>
@@ -841,7 +840,7 @@
           <a:p>
             <a:fld id="{6602C0D2-A336-4E06-9C92-574E03A26D94}" type="datetimeFigureOut">
               <a:rPr lang="en-US" smtClean="0"/>
-              <a:t>11/13/2017</a:t>
+              <a:t>11/21/2017</a:t>
             </a:fld>
             <a:endParaRPr lang="en-US"/>
           </a:p>
@@ -1092,7 +1091,7 @@
           <a:p>
             <a:fld id="{6602C0D2-A336-4E06-9C92-574E03A26D94}" type="datetimeFigureOut">
               <a:rPr lang="en-US" smtClean="0"/>
-              <a:t>11/13/2017</a:t>
+              <a:t>11/21/2017</a:t>
             </a:fld>
             <a:endParaRPr lang="en-US"/>
           </a:p>
@@ -1406,7 +1405,7 @@
           <a:p>
             <a:fld id="{6602C0D2-A336-4E06-9C92-574E03A26D94}" type="datetimeFigureOut">
               <a:rPr lang="en-US" smtClean="0"/>
-              <a:t>11/13/2017</a:t>
+              <a:t>11/21/2017</a:t>
             </a:fld>
             <a:endParaRPr lang="en-US"/>
           </a:p>
@@ -1747,7 +1746,7 @@
           <a:p>
             <a:fld id="{6602C0D2-A336-4E06-9C92-574E03A26D94}" type="datetimeFigureOut">
               <a:rPr lang="en-US" smtClean="0"/>
-              <a:t>11/13/2017</a:t>
+              <a:t>11/21/2017</a:t>
             </a:fld>
             <a:endParaRPr lang="en-US"/>
           </a:p>
@@ -2061,7 +2060,7 @@
           <a:p>
             <a:fld id="{6602C0D2-A336-4E06-9C92-574E03A26D94}" type="datetimeFigureOut">
               <a:rPr lang="en-US" smtClean="0"/>
-              <a:t>11/13/2017</a:t>
+              <a:t>11/21/2017</a:t>
             </a:fld>
             <a:endParaRPr lang="en-US"/>
           </a:p>
@@ -2454,7 +2453,7 @@
           <a:p>
             <a:fld id="{6602C0D2-A336-4E06-9C92-574E03A26D94}" type="datetimeFigureOut">
               <a:rPr lang="en-US" smtClean="0"/>
-              <a:t>11/13/2017</a:t>
+              <a:t>11/21/2017</a:t>
             </a:fld>
             <a:endParaRPr lang="en-US"/>
           </a:p>
@@ -2624,7 +2623,7 @@
           <a:p>
             <a:fld id="{6602C0D2-A336-4E06-9C92-574E03A26D94}" type="datetimeFigureOut">
               <a:rPr lang="en-US" smtClean="0"/>
-              <a:t>11/13/2017</a:t>
+              <a:t>11/21/2017</a:t>
             </a:fld>
             <a:endParaRPr lang="en-US"/>
           </a:p>
@@ -2804,7 +2803,7 @@
           <a:p>
             <a:fld id="{6602C0D2-A336-4E06-9C92-574E03A26D94}" type="datetimeFigureOut">
               <a:rPr lang="en-US" smtClean="0"/>
-              <a:t>11/13/2017</a:t>
+              <a:t>11/21/2017</a:t>
             </a:fld>
             <a:endParaRPr lang="en-US"/>
           </a:p>
@@ -2980,7 +2979,7 @@
           <a:p>
             <a:fld id="{6602C0D2-A336-4E06-9C92-574E03A26D94}" type="datetimeFigureOut">
               <a:rPr lang="en-US" smtClean="0"/>
-              <a:t>11/13/2017</a:t>
+              <a:t>11/21/2017</a:t>
             </a:fld>
             <a:endParaRPr lang="en-US"/>
           </a:p>
@@ -3227,7 +3226,7 @@
           <a:p>
             <a:fld id="{6602C0D2-A336-4E06-9C92-574E03A26D94}" type="datetimeFigureOut">
               <a:rPr lang="en-US" smtClean="0"/>
-              <a:t>11/13/2017</a:t>
+              <a:t>11/21/2017</a:t>
             </a:fld>
             <a:endParaRPr lang="en-US"/>
           </a:p>
@@ -3459,7 +3458,7 @@
           <a:p>
             <a:fld id="{6602C0D2-A336-4E06-9C92-574E03A26D94}" type="datetimeFigureOut">
               <a:rPr lang="en-US" smtClean="0"/>
-              <a:t>11/13/2017</a:t>
+              <a:t>11/21/2017</a:t>
             </a:fld>
             <a:endParaRPr lang="en-US"/>
           </a:p>
@@ -3833,7 +3832,7 @@
           <a:p>
             <a:fld id="{6602C0D2-A336-4E06-9C92-574E03A26D94}" type="datetimeFigureOut">
               <a:rPr lang="en-US" smtClean="0"/>
-              <a:t>11/13/2017</a:t>
+              <a:t>11/21/2017</a:t>
             </a:fld>
             <a:endParaRPr lang="en-US"/>
           </a:p>
@@ -3956,7 +3955,7 @@
           <a:p>
             <a:fld id="{6602C0D2-A336-4E06-9C92-574E03A26D94}" type="datetimeFigureOut">
               <a:rPr lang="en-US" smtClean="0"/>
-              <a:t>11/13/2017</a:t>
+              <a:t>11/21/2017</a:t>
             </a:fld>
             <a:endParaRPr lang="en-US"/>
           </a:p>
@@ -4051,7 +4050,7 @@
           <a:p>
             <a:fld id="{6602C0D2-A336-4E06-9C92-574E03A26D94}" type="datetimeFigureOut">
               <a:rPr lang="en-US" smtClean="0"/>
-              <a:t>11/13/2017</a:t>
+              <a:t>11/21/2017</a:t>
             </a:fld>
             <a:endParaRPr lang="en-US"/>
           </a:p>
@@ -4306,7 +4305,7 @@
           <a:p>
             <a:fld id="{6602C0D2-A336-4E06-9C92-574E03A26D94}" type="datetimeFigureOut">
               <a:rPr lang="en-US" smtClean="0"/>
-              <a:t>11/13/2017</a:t>
+              <a:t>11/21/2017</a:t>
             </a:fld>
             <a:endParaRPr lang="en-US"/>
           </a:p>
@@ -4569,7 +4568,7 @@
           <a:p>
             <a:fld id="{6602C0D2-A336-4E06-9C92-574E03A26D94}" type="datetimeFigureOut">
               <a:rPr lang="en-US" smtClean="0"/>
-              <a:t>11/13/2017</a:t>
+              <a:t>11/21/2017</a:t>
             </a:fld>
             <a:endParaRPr lang="en-US"/>
           </a:p>
@@ -5312,7 +5311,7 @@
           <a:p>
             <a:fld id="{6602C0D2-A336-4E06-9C92-574E03A26D94}" type="datetimeFigureOut">
               <a:rPr lang="en-US" smtClean="0"/>
-              <a:t>11/13/2017</a:t>
+              <a:t>11/21/2017</a:t>
             </a:fld>
             <a:endParaRPr lang="en-US"/>
           </a:p>
@@ -5931,88 +5930,6 @@
           <a:p>
             <a:r>
               <a:rPr lang="en-US" dirty="0" smtClean="0"/>
-              <a:t>About Me</a:t>
-            </a:r>
-            <a:endParaRPr lang="en-US" dirty="0"/>
-          </a:p>
-        </p:txBody>
-      </p:sp>
-      <p:sp>
-        <p:nvSpPr>
-          <p:cNvPr id="3" name="Content Placeholder 2"/>
-          <p:cNvSpPr>
-            <a:spLocks noGrp="1"/>
-          </p:cNvSpPr>
-          <p:nvPr>
-            <p:ph idx="1"/>
-          </p:nvPr>
-        </p:nvSpPr>
-        <p:spPr/>
-        <p:txBody>
-          <a:bodyPr/>
-          <a:lstStyle/>
-          <a:p>
-            <a:r>
-              <a:rPr lang="en-US" dirty="0" smtClean="0"/>
-              <a:t>MUHAMMAD NADZMI BIN MOHAMED IDZHAM</a:t>
-            </a:r>
-          </a:p>
-          <a:p>
-            <a:r>
-              <a:rPr lang="en-US" dirty="0" smtClean="0"/>
-              <a:t>BACHELOR in COMPUTER SCIENCE (Hons.)</a:t>
-            </a:r>
-            <a:endParaRPr lang="en-US" dirty="0"/>
-          </a:p>
-        </p:txBody>
-      </p:sp>
-    </p:spTree>
-    <p:extLst>
-      <p:ext uri="{BB962C8B-B14F-4D97-AF65-F5344CB8AC3E}">
-        <p14:creationId xmlns:p14="http://schemas.microsoft.com/office/powerpoint/2010/main" val="2982038220"/>
-      </p:ext>
-    </p:extLst>
-  </p:cSld>
-  <p:clrMapOvr>
-    <a:masterClrMapping/>
-  </p:clrMapOvr>
-</p:sld>
-</file>
-
-<file path=ppt/slides/slide3.xml><?xml version="1.0" encoding="utf-8"?>
-<p:sld xmlns:a="http://schemas.openxmlformats.org/drawingml/2006/main" xmlns:r="http://schemas.openxmlformats.org/officeDocument/2006/relationships" xmlns:p="http://schemas.openxmlformats.org/presentationml/2006/main">
-  <p:cSld>
-    <p:spTree>
-      <p:nvGrpSpPr>
-        <p:cNvPr id="1" name=""/>
-        <p:cNvGrpSpPr/>
-        <p:nvPr/>
-      </p:nvGrpSpPr>
-      <p:grpSpPr>
-        <a:xfrm>
-          <a:off x="0" y="0"/>
-          <a:ext cx="0" cy="0"/>
-          <a:chOff x="0" y="0"/>
-          <a:chExt cx="0" cy="0"/>
-        </a:xfrm>
-      </p:grpSpPr>
-      <p:sp>
-        <p:nvSpPr>
-          <p:cNvPr id="2" name="Title 1"/>
-          <p:cNvSpPr>
-            <a:spLocks noGrp="1"/>
-          </p:cNvSpPr>
-          <p:nvPr>
-            <p:ph type="title"/>
-          </p:nvPr>
-        </p:nvSpPr>
-        <p:spPr/>
-        <p:txBody>
-          <a:bodyPr/>
-          <a:lstStyle/>
-          <a:p>
-            <a:r>
-              <a:rPr lang="en-US" dirty="0" smtClean="0"/>
               <a:t>Introduction to Android</a:t>
             </a:r>
             <a:endParaRPr lang="en-US" dirty="0"/>
@@ -6110,7 +6027,7 @@
 </p:sld>
 </file>
 
-<file path=ppt/slides/slide4.xml><?xml version="1.0" encoding="utf-8"?>
+<file path=ppt/slides/slide3.xml><?xml version="1.0" encoding="utf-8"?>
 <p:sld xmlns:a="http://schemas.openxmlformats.org/drawingml/2006/main" xmlns:r="http://schemas.openxmlformats.org/officeDocument/2006/relationships" xmlns:p="http://schemas.openxmlformats.org/presentationml/2006/main">
   <p:cSld>
     <p:spTree>
@@ -6195,7 +6112,7 @@
 </p:sld>
 </file>
 
-<file path=ppt/slides/slide5.xml><?xml version="1.0" encoding="utf-8"?>
+<file path=ppt/slides/slide4.xml><?xml version="1.0" encoding="utf-8"?>
 <p:sld xmlns:a="http://schemas.openxmlformats.org/drawingml/2006/main" xmlns:r="http://schemas.openxmlformats.org/officeDocument/2006/relationships" xmlns:p="http://schemas.openxmlformats.org/presentationml/2006/main">
   <p:cSld>
     <p:spTree>
@@ -6320,6 +6237,112 @@
 </p:sld>
 </file>
 
+<file path=ppt/slides/slide5.xml><?xml version="1.0" encoding="utf-8"?>
+<p:sld xmlns:a="http://schemas.openxmlformats.org/drawingml/2006/main" xmlns:r="http://schemas.openxmlformats.org/officeDocument/2006/relationships" xmlns:p="http://schemas.openxmlformats.org/presentationml/2006/main">
+  <p:cSld>
+    <p:spTree>
+      <p:nvGrpSpPr>
+        <p:cNvPr id="1" name=""/>
+        <p:cNvGrpSpPr/>
+        <p:nvPr/>
+      </p:nvGrpSpPr>
+      <p:grpSpPr>
+        <a:xfrm>
+          <a:off x="0" y="0"/>
+          <a:ext cx="0" cy="0"/>
+          <a:chOff x="0" y="0"/>
+          <a:chExt cx="0" cy="0"/>
+        </a:xfrm>
+      </p:grpSpPr>
+      <p:sp>
+        <p:nvSpPr>
+          <p:cNvPr id="2" name="Title 1"/>
+          <p:cNvSpPr>
+            <a:spLocks noGrp="1"/>
+          </p:cNvSpPr>
+          <p:nvPr>
+            <p:ph type="title"/>
+          </p:nvPr>
+        </p:nvSpPr>
+        <p:spPr/>
+        <p:txBody>
+          <a:bodyPr/>
+          <a:lstStyle/>
+          <a:p>
+            <a:r>
+              <a:rPr lang="en-US" dirty="0" smtClean="0"/>
+              <a:t>Android Software Development Kit (SDK)</a:t>
+            </a:r>
+            <a:endParaRPr lang="en-US" dirty="0"/>
+          </a:p>
+        </p:txBody>
+      </p:sp>
+      <p:sp>
+        <p:nvSpPr>
+          <p:cNvPr id="3" name="Content Placeholder 2"/>
+          <p:cNvSpPr>
+            <a:spLocks noGrp="1"/>
+          </p:cNvSpPr>
+          <p:nvPr>
+            <p:ph idx="1"/>
+          </p:nvPr>
+        </p:nvSpPr>
+        <p:spPr/>
+        <p:txBody>
+          <a:bodyPr/>
+          <a:lstStyle/>
+          <a:p>
+            <a:r>
+              <a:rPr lang="en-US" dirty="0" smtClean="0"/>
+              <a:t>Development tools</a:t>
+            </a:r>
+          </a:p>
+          <a:p>
+            <a:r>
+              <a:rPr lang="en-US" dirty="0" smtClean="0"/>
+              <a:t>Libraries</a:t>
+            </a:r>
+          </a:p>
+          <a:p>
+            <a:r>
+              <a:rPr lang="en-US" dirty="0" smtClean="0"/>
+              <a:t>Virtual device (emulators)</a:t>
+            </a:r>
+          </a:p>
+          <a:p>
+            <a:r>
+              <a:rPr lang="en-US" dirty="0" smtClean="0"/>
+              <a:t>Documentations</a:t>
+            </a:r>
+          </a:p>
+          <a:p>
+            <a:r>
+              <a:rPr lang="en-US" dirty="0" smtClean="0"/>
+              <a:t>Sample code</a:t>
+            </a:r>
+          </a:p>
+        </p:txBody>
+      </p:sp>
+    </p:spTree>
+    <p:extLst>
+      <p:ext uri="{BB962C8B-B14F-4D97-AF65-F5344CB8AC3E}">
+        <p14:creationId xmlns:p14="http://schemas.microsoft.com/office/powerpoint/2010/main" val="2156261191"/>
+      </p:ext>
+    </p:extLst>
+  </p:cSld>
+  <p:clrMapOvr>
+    <a:masterClrMapping/>
+  </p:clrMapOvr>
+  <p:timing>
+    <p:tnLst>
+      <p:par>
+        <p:cTn id="1" dur="indefinite" restart="never" nodeType="tmRoot"/>
+      </p:par>
+    </p:tnLst>
+  </p:timing>
+</p:sld>
+</file>
+
 <file path=ppt/slides/slide6.xml><?xml version="1.0" encoding="utf-8"?>
 <p:sld xmlns:a="http://schemas.openxmlformats.org/drawingml/2006/main" xmlns:r="http://schemas.openxmlformats.org/officeDocument/2006/relationships" xmlns:p="http://schemas.openxmlformats.org/presentationml/2006/main">
   <p:cSld>
@@ -6354,7 +6377,7 @@
           <a:p>
             <a:r>
               <a:rPr lang="en-US" dirty="0" smtClean="0"/>
-              <a:t>Android Software Development Kit (SDK)</a:t>
+              <a:t>Application Development (Main factors)</a:t>
             </a:r>
             <a:endParaRPr lang="en-US" dirty="0"/>
           </a:p>
@@ -6377,39 +6400,93 @@
           <a:p>
             <a:r>
               <a:rPr lang="en-US" dirty="0" smtClean="0"/>
-              <a:t>Development tools</a:t>
-            </a:r>
-          </a:p>
-          <a:p>
+              <a:t>Resources</a:t>
+            </a:r>
+          </a:p>
+          <a:p>
+            <a:pPr lvl="1"/>
             <a:r>
               <a:rPr lang="en-US" dirty="0" smtClean="0"/>
-              <a:t>Libraries</a:t>
-            </a:r>
-          </a:p>
-          <a:p>
+              <a:t>Layout (front-end)</a:t>
+            </a:r>
+          </a:p>
+          <a:p>
+            <a:pPr lvl="1"/>
             <a:r>
               <a:rPr lang="en-US" dirty="0" smtClean="0"/>
-              <a:t>Virtual device (emulators)</a:t>
-            </a:r>
-          </a:p>
-          <a:p>
+              <a:t>values</a:t>
+            </a:r>
+          </a:p>
+          <a:p>
+            <a:r>
+              <a:rPr lang="en-US"/>
+              <a:t>Components </a:t>
+            </a:r>
+            <a:r>
+              <a:rPr lang="en-US" smtClean="0"/>
+              <a:t>(back-end</a:t>
+            </a:r>
             <a:r>
               <a:rPr lang="en-US" dirty="0" smtClean="0"/>
-              <a:t>Documentations</a:t>
-            </a:r>
-          </a:p>
-          <a:p>
+              <a:t>)</a:t>
+            </a:r>
+          </a:p>
+          <a:p>
+            <a:pPr lvl="1"/>
             <a:r>
               <a:rPr lang="en-US" dirty="0" smtClean="0"/>
-              <a:t>Sample code</a:t>
-            </a:r>
+              <a:t>Java codes</a:t>
+            </a:r>
+          </a:p>
+          <a:p>
+            <a:r>
+              <a:rPr lang="en-US" dirty="0" smtClean="0"/>
+              <a:t>Manifest</a:t>
+            </a:r>
+          </a:p>
+          <a:p>
+            <a:pPr lvl="1"/>
+            <a:r>
+              <a:rPr lang="en-US" dirty="0" smtClean="0"/>
+              <a:t>Application information during runtime</a:t>
+            </a:r>
+          </a:p>
+          <a:p>
+            <a:r>
+              <a:rPr lang="en-US" dirty="0" smtClean="0"/>
+              <a:t>Build configuration</a:t>
+            </a:r>
+          </a:p>
+          <a:p>
+            <a:pPr lvl="1"/>
+            <a:r>
+              <a:rPr lang="en-US" dirty="0" smtClean="0"/>
+              <a:t>.</a:t>
+            </a:r>
+            <a:r>
+              <a:rPr lang="en-US" dirty="0" err="1" smtClean="0"/>
+              <a:t>apk</a:t>
+            </a:r>
+            <a:r>
+              <a:rPr lang="en-US" dirty="0" smtClean="0"/>
+              <a:t> configuration (in </a:t>
+            </a:r>
+            <a:r>
+              <a:rPr lang="en-US" dirty="0" err="1" smtClean="0"/>
+              <a:t>Gradle</a:t>
+            </a:r>
+            <a:r>
+              <a:rPr lang="en-US" dirty="0" smtClean="0"/>
+              <a:t> configuration file)</a:t>
+            </a:r>
+            <a:endParaRPr lang="en-US" dirty="0"/>
           </a:p>
         </p:txBody>
       </p:sp>
     </p:spTree>
     <p:extLst>
       <p:ext uri="{BB962C8B-B14F-4D97-AF65-F5344CB8AC3E}">
-        <p14:creationId xmlns:p14="http://schemas.microsoft.com/office/powerpoint/2010/main" val="2156261191"/>
+        <p14:creationId xmlns:p14="http://schemas.microsoft.com/office/powerpoint/2010/main" val="4054634943"/>
       </p:ext>
     </p:extLst>
   </p:cSld>
@@ -6460,7 +6537,7 @@
           <a:p>
             <a:r>
               <a:rPr lang="en-US" dirty="0" smtClean="0"/>
-              <a:t>Application Development (Main factors)</a:t>
+              <a:t>Today’s agenda</a:t>
             </a:r>
             <a:endParaRPr lang="en-US" dirty="0"/>
           </a:p>
@@ -6476,170 +6553,15 @@
             <p:ph idx="1"/>
           </p:nvPr>
         </p:nvSpPr>
-        <p:spPr/>
-        <p:txBody>
-          <a:bodyPr/>
-          <a:lstStyle/>
-          <a:p>
-            <a:r>
-              <a:rPr lang="en-US" dirty="0" smtClean="0"/>
-              <a:t>Resources</a:t>
-            </a:r>
-          </a:p>
-          <a:p>
-            <a:pPr lvl="1"/>
-            <a:r>
-              <a:rPr lang="en-US" dirty="0" smtClean="0"/>
-              <a:t>Layout (front-end)</a:t>
-            </a:r>
-          </a:p>
-          <a:p>
-            <a:pPr lvl="1"/>
-            <a:r>
-              <a:rPr lang="en-US" dirty="0" smtClean="0"/>
-              <a:t>values</a:t>
-            </a:r>
-          </a:p>
-          <a:p>
-            <a:r>
-              <a:rPr lang="en-US"/>
-              <a:t>Components </a:t>
-            </a:r>
-            <a:r>
-              <a:rPr lang="en-US" smtClean="0"/>
-              <a:t>(back-end</a:t>
-            </a:r>
-            <a:r>
-              <a:rPr lang="en-US" dirty="0" smtClean="0"/>
-              <a:t>)</a:t>
-            </a:r>
-          </a:p>
-          <a:p>
-            <a:pPr lvl="1"/>
-            <a:r>
-              <a:rPr lang="en-US" dirty="0" smtClean="0"/>
-              <a:t>Java codes</a:t>
-            </a:r>
-          </a:p>
-          <a:p>
-            <a:r>
-              <a:rPr lang="en-US" dirty="0" smtClean="0"/>
-              <a:t>Manifest</a:t>
-            </a:r>
-          </a:p>
-          <a:p>
-            <a:pPr lvl="1"/>
-            <a:r>
-              <a:rPr lang="en-US" dirty="0" smtClean="0"/>
-              <a:t>Application information during runtime</a:t>
-            </a:r>
-          </a:p>
-          <a:p>
-            <a:r>
-              <a:rPr lang="en-US" dirty="0" smtClean="0"/>
-              <a:t>Build configuration</a:t>
-            </a:r>
-          </a:p>
-          <a:p>
-            <a:pPr lvl="1"/>
-            <a:r>
-              <a:rPr lang="en-US" dirty="0" smtClean="0"/>
-              <a:t>.</a:t>
-            </a:r>
-            <a:r>
-              <a:rPr lang="en-US" dirty="0" err="1" smtClean="0"/>
-              <a:t>apk</a:t>
-            </a:r>
-            <a:r>
-              <a:rPr lang="en-US" dirty="0" smtClean="0"/>
-              <a:t> configuration (in </a:t>
-            </a:r>
-            <a:r>
-              <a:rPr lang="en-US" dirty="0" err="1" smtClean="0"/>
-              <a:t>Gradle</a:t>
-            </a:r>
-            <a:r>
-              <a:rPr lang="en-US" dirty="0" smtClean="0"/>
-              <a:t> configuration file)</a:t>
-            </a:r>
-            <a:endParaRPr lang="en-US" dirty="0"/>
-          </a:p>
-        </p:txBody>
-      </p:sp>
-    </p:spTree>
-    <p:extLst>
-      <p:ext uri="{BB962C8B-B14F-4D97-AF65-F5344CB8AC3E}">
-        <p14:creationId xmlns:p14="http://schemas.microsoft.com/office/powerpoint/2010/main" val="4054634943"/>
-      </p:ext>
-    </p:extLst>
-  </p:cSld>
-  <p:clrMapOvr>
-    <a:masterClrMapping/>
-  </p:clrMapOvr>
-  <p:timing>
-    <p:tnLst>
-      <p:par>
-        <p:cTn id="1" dur="indefinite" restart="never" nodeType="tmRoot"/>
-      </p:par>
-    </p:tnLst>
-  </p:timing>
-</p:sld>
-</file>
-
-<file path=ppt/slides/slide8.xml><?xml version="1.0" encoding="utf-8"?>
-<p:sld xmlns:a="http://schemas.openxmlformats.org/drawingml/2006/main" xmlns:r="http://schemas.openxmlformats.org/officeDocument/2006/relationships" xmlns:p="http://schemas.openxmlformats.org/presentationml/2006/main">
-  <p:cSld>
-    <p:spTree>
-      <p:nvGrpSpPr>
-        <p:cNvPr id="1" name=""/>
-        <p:cNvGrpSpPr/>
-        <p:nvPr/>
-      </p:nvGrpSpPr>
-      <p:grpSpPr>
-        <a:xfrm>
-          <a:off x="0" y="0"/>
-          <a:ext cx="0" cy="0"/>
-          <a:chOff x="0" y="0"/>
-          <a:chExt cx="0" cy="0"/>
-        </a:xfrm>
-      </p:grpSpPr>
-      <p:sp>
-        <p:nvSpPr>
-          <p:cNvPr id="2" name="Title 1"/>
-          <p:cNvSpPr>
-            <a:spLocks noGrp="1"/>
-          </p:cNvSpPr>
-          <p:nvPr>
-            <p:ph type="title"/>
-          </p:nvPr>
-        </p:nvSpPr>
-        <p:spPr/>
-        <p:txBody>
-          <a:bodyPr/>
-          <a:lstStyle/>
-          <a:p>
-            <a:r>
-              <a:rPr lang="en-US" dirty="0" smtClean="0"/>
-              <a:t>Today’s agenda</a:t>
-            </a:r>
-            <a:endParaRPr lang="en-US" dirty="0"/>
-          </a:p>
-        </p:txBody>
-      </p:sp>
-      <p:sp>
-        <p:nvSpPr>
-          <p:cNvPr id="3" name="Content Placeholder 2"/>
-          <p:cNvSpPr>
-            <a:spLocks noGrp="1"/>
-          </p:cNvSpPr>
-          <p:nvPr>
-            <p:ph idx="1"/>
-          </p:nvPr>
-        </p:nvSpPr>
-        <p:spPr/>
+        <p:spPr>
+          <a:xfrm>
+            <a:off x="677334" y="1476103"/>
+            <a:ext cx="8596668" cy="5133703"/>
+          </a:xfrm>
+        </p:spPr>
         <p:txBody>
           <a:bodyPr>
-            <a:normAutofit fontScale="62500" lnSpcReduction="20000"/>
+            <a:normAutofit fontScale="92500" lnSpcReduction="10000"/>
           </a:bodyPr>
           <a:lstStyle/>
           <a:p>
@@ -6785,11 +6707,7 @@
             </a:pPr>
             <a:r>
               <a:rPr lang="en-US" dirty="0" smtClean="0"/>
-              <a:t>Exchange data </a:t>
-            </a:r>
-            <a:r>
-              <a:rPr lang="en-US" dirty="0" smtClean="0"/>
-              <a:t>with </a:t>
+              <a:t>Exchange data with </a:t>
             </a:r>
             <a:r>
               <a:rPr lang="en-US" dirty="0" err="1" smtClean="0"/>
@@ -6817,13 +6735,10 @@
               <a:buAutoNum type="arabicPeriod"/>
             </a:pPr>
             <a:r>
-              <a:rPr lang="en-US" dirty="0"/>
-              <a:t>SQLite </a:t>
-            </a:r>
-            <a:r>
               <a:rPr lang="en-US" dirty="0" smtClean="0"/>
-              <a:t>database</a:t>
-            </a:r>
+              <a:t>Internal database (SQLite Database)</a:t>
+            </a:r>
+            <a:endParaRPr lang="en-US" dirty="0" smtClean="0"/>
           </a:p>
           <a:p>
             <a:pPr lvl="1">
@@ -6834,8 +6749,17 @@
             </a:pPr>
             <a:r>
               <a:rPr lang="en-US" dirty="0" smtClean="0"/>
-              <a:t>Remote database</a:t>
-            </a:r>
+              <a:t>Remote </a:t>
+            </a:r>
+            <a:r>
+              <a:rPr lang="en-US" dirty="0" smtClean="0"/>
+              <a:t>database (Connection to </a:t>
+            </a:r>
+            <a:r>
+              <a:rPr lang="en-US" smtClean="0"/>
+              <a:t>remote server)</a:t>
+            </a:r>
+            <a:endParaRPr lang="en-US" dirty="0" smtClean="0"/>
           </a:p>
         </p:txBody>
       </p:sp>
